--- a/docs/lessons/1.3-mth161-r-and-r-studio/basic-parts-of-posit-cloud.pptx
+++ b/docs/lessons/1.3-mth161-r-and-r-studio/basic-parts-of-posit-cloud.pptx
@@ -104,6 +104,11 @@
       </a:defRPr>
     </a:lvl9pPr>
   </p:defaultTextStyle>
+  <p:extLst>
+    <p:ext uri="{EFAFB233-063F-42B5-8137-9DF3F51BA10A}">
+      <p15:sldGuideLst xmlns:p15="http://schemas.microsoft.com/office/powerpoint/2012/main"/>
+    </p:ext>
+  </p:extLst>
 </p:presentation>
 </file>
 
@@ -3202,8 +3207,8 @@
         </p:nvSpPr>
         <p:spPr>
           <a:xfrm>
-            <a:off x="3972062" y="3198167"/>
-            <a:ext cx="2974597" cy="461665"/>
+            <a:off x="3673869" y="2848180"/>
+            <a:ext cx="3570984" cy="830997"/>
           </a:xfrm>
           <a:prstGeom prst="rect">
             <a:avLst/>
@@ -3211,7 +3216,7 @@
           <a:noFill/>
         </p:spPr>
         <p:txBody>
-          <a:bodyPr wrap="none" rtlCol="0">
+          <a:bodyPr wrap="square" rtlCol="0">
             <a:spAutoFit/>
           </a:bodyPr>
           <a:lstStyle/>
@@ -3222,7 +3227,7 @@
                   <a:srgbClr val="FFC000"/>
                 </a:solidFill>
               </a:rPr>
-              <a:t>A R Studio “Project”</a:t>
+              <a:t>An RStudio “Project” labelled as an Assignment.</a:t>
             </a:r>
           </a:p>
         </p:txBody>
@@ -3246,7 +3251,7 @@
         <p:spPr>
           <a:xfrm>
             <a:off x="5459361" y="2172928"/>
-            <a:ext cx="0" cy="1025239"/>
+            <a:ext cx="0" cy="675252"/>
           </a:xfrm>
           <a:prstGeom prst="straightConnector1">
             <a:avLst/>
@@ -3307,7 +3312,7 @@
                   <a:srgbClr val="00B050"/>
                 </a:solidFill>
               </a:rPr>
-              <a:t>All R related assignments will show up as an R Studio “project” in this course’s workspace.</a:t>
+              <a:t>All R related assignments will show up as an RStudio Assignment in this course’s workspace.</a:t>
             </a:r>
           </a:p>
         </p:txBody>

--- a/docs/lessons/1.3-mth161-r-and-r-studio/basic-parts-of-posit-cloud.pptx
+++ b/docs/lessons/1.3-mth161-r-and-r-studio/basic-parts-of-posit-cloud.pptx
@@ -243,7 +243,7 @@
           <a:p>
             <a:fld id="{C3059E9A-065A-4C8E-87F2-394E725716AB}" type="datetimeFigureOut">
               <a:rPr lang="en-US" smtClean="0"/>
-              <a:t>1/17/2025</a:t>
+              <a:t>1/21/2025</a:t>
             </a:fld>
             <a:endParaRPr lang="en-US"/>
           </a:p>
@@ -413,7 +413,7 @@
           <a:p>
             <a:fld id="{C3059E9A-065A-4C8E-87F2-394E725716AB}" type="datetimeFigureOut">
               <a:rPr lang="en-US" smtClean="0"/>
-              <a:t>1/17/2025</a:t>
+              <a:t>1/21/2025</a:t>
             </a:fld>
             <a:endParaRPr lang="en-US"/>
           </a:p>
@@ -593,7 +593,7 @@
           <a:p>
             <a:fld id="{C3059E9A-065A-4C8E-87F2-394E725716AB}" type="datetimeFigureOut">
               <a:rPr lang="en-US" smtClean="0"/>
-              <a:t>1/17/2025</a:t>
+              <a:t>1/21/2025</a:t>
             </a:fld>
             <a:endParaRPr lang="en-US"/>
           </a:p>
@@ -763,7 +763,7 @@
           <a:p>
             <a:fld id="{C3059E9A-065A-4C8E-87F2-394E725716AB}" type="datetimeFigureOut">
               <a:rPr lang="en-US" smtClean="0"/>
-              <a:t>1/17/2025</a:t>
+              <a:t>1/21/2025</a:t>
             </a:fld>
             <a:endParaRPr lang="en-US"/>
           </a:p>
@@ -1009,7 +1009,7 @@
           <a:p>
             <a:fld id="{C3059E9A-065A-4C8E-87F2-394E725716AB}" type="datetimeFigureOut">
               <a:rPr lang="en-US" smtClean="0"/>
-              <a:t>1/17/2025</a:t>
+              <a:t>1/21/2025</a:t>
             </a:fld>
             <a:endParaRPr lang="en-US"/>
           </a:p>
@@ -1241,7 +1241,7 @@
           <a:p>
             <a:fld id="{C3059E9A-065A-4C8E-87F2-394E725716AB}" type="datetimeFigureOut">
               <a:rPr lang="en-US" smtClean="0"/>
-              <a:t>1/17/2025</a:t>
+              <a:t>1/21/2025</a:t>
             </a:fld>
             <a:endParaRPr lang="en-US"/>
           </a:p>
@@ -1608,7 +1608,7 @@
           <a:p>
             <a:fld id="{C3059E9A-065A-4C8E-87F2-394E725716AB}" type="datetimeFigureOut">
               <a:rPr lang="en-US" smtClean="0"/>
-              <a:t>1/17/2025</a:t>
+              <a:t>1/21/2025</a:t>
             </a:fld>
             <a:endParaRPr lang="en-US"/>
           </a:p>
@@ -1726,7 +1726,7 @@
           <a:p>
             <a:fld id="{C3059E9A-065A-4C8E-87F2-394E725716AB}" type="datetimeFigureOut">
               <a:rPr lang="en-US" smtClean="0"/>
-              <a:t>1/17/2025</a:t>
+              <a:t>1/21/2025</a:t>
             </a:fld>
             <a:endParaRPr lang="en-US"/>
           </a:p>
@@ -1821,7 +1821,7 @@
           <a:p>
             <a:fld id="{C3059E9A-065A-4C8E-87F2-394E725716AB}" type="datetimeFigureOut">
               <a:rPr lang="en-US" smtClean="0"/>
-              <a:t>1/17/2025</a:t>
+              <a:t>1/21/2025</a:t>
             </a:fld>
             <a:endParaRPr lang="en-US"/>
           </a:p>
@@ -2098,7 +2098,7 @@
           <a:p>
             <a:fld id="{C3059E9A-065A-4C8E-87F2-394E725716AB}" type="datetimeFigureOut">
               <a:rPr lang="en-US" smtClean="0"/>
-              <a:t>1/17/2025</a:t>
+              <a:t>1/21/2025</a:t>
             </a:fld>
             <a:endParaRPr lang="en-US"/>
           </a:p>
@@ -2355,7 +2355,7 @@
           <a:p>
             <a:fld id="{C3059E9A-065A-4C8E-87F2-394E725716AB}" type="datetimeFigureOut">
               <a:rPr lang="en-US" smtClean="0"/>
-              <a:t>1/17/2025</a:t>
+              <a:t>1/21/2025</a:t>
             </a:fld>
             <a:endParaRPr lang="en-US"/>
           </a:p>
@@ -2568,7 +2568,7 @@
           <a:p>
             <a:fld id="{C3059E9A-065A-4C8E-87F2-394E725716AB}" type="datetimeFigureOut">
               <a:rPr lang="en-US" smtClean="0"/>
-              <a:t>1/17/2025</a:t>
+              <a:t>1/21/2025</a:t>
             </a:fld>
             <a:endParaRPr lang="en-US"/>
           </a:p>
@@ -3074,7 +3074,7 @@
         <p:spPr>
           <a:xfrm>
             <a:off x="297097" y="5512895"/>
-            <a:ext cx="1765548" cy="461665"/>
+            <a:ext cx="1822165" cy="461665"/>
           </a:xfrm>
           <a:prstGeom prst="rect">
             <a:avLst/>
@@ -3092,6 +3092,8 @@
                 <a:solidFill>
                   <a:srgbClr val="C00000"/>
                 </a:solidFill>
+                <a:latin typeface="Arial" panose="020B0604020202020204" pitchFamily="34" charset="0"/>
+                <a:cs typeface="Arial" panose="020B0604020202020204" pitchFamily="34" charset="0"/>
               </a:rPr>
               <a:t>Workspace</a:t>
             </a:r>
@@ -3116,7 +3118,7 @@
         <p:spPr>
           <a:xfrm>
             <a:off x="1179871" y="373626"/>
-            <a:ext cx="0" cy="5139269"/>
+            <a:ext cx="28309" cy="5139269"/>
           </a:xfrm>
           <a:prstGeom prst="straightConnector1">
             <a:avLst/>
@@ -3125,7 +3127,8 @@
             <a:solidFill>
               <a:srgbClr val="C00000"/>
             </a:solidFill>
-            <a:tailEnd type="triangle"/>
+            <a:headEnd type="triangle" w="med" len="med"/>
+            <a:tailEnd type="none" w="med" len="med"/>
           </a:ln>
         </p:spPr>
         <p:style>
@@ -3207,8 +3210,8 @@
         </p:nvSpPr>
         <p:spPr>
           <a:xfrm>
-            <a:off x="3673869" y="2848180"/>
-            <a:ext cx="3570984" cy="830997"/>
+            <a:off x="3354610" y="2848180"/>
+            <a:ext cx="4209502" cy="830997"/>
           </a:xfrm>
           <a:prstGeom prst="rect">
             <a:avLst/>
@@ -3226,6 +3229,8 @@
                 <a:solidFill>
                   <a:srgbClr val="FFC000"/>
                 </a:solidFill>
+                <a:latin typeface="Arial" panose="020B0604020202020204" pitchFamily="34" charset="0"/>
+                <a:cs typeface="Arial" panose="020B0604020202020204" pitchFamily="34" charset="0"/>
               </a:rPr>
               <a:t>An RStudio “Project” labelled as an Assignment.</a:t>
             </a:r>
@@ -3260,7 +3265,8 @@
             <a:solidFill>
               <a:srgbClr val="FFC000"/>
             </a:solidFill>
-            <a:tailEnd type="triangle"/>
+            <a:headEnd type="triangle" w="med" len="med"/>
+            <a:tailEnd type="none" w="med" len="med"/>
           </a:ln>
         </p:spPr>
         <p:style>
@@ -3311,6 +3317,8 @@
                 <a:solidFill>
                   <a:srgbClr val="00B050"/>
                 </a:solidFill>
+                <a:latin typeface="Arial" panose="020B0604020202020204" pitchFamily="34" charset="0"/>
+                <a:cs typeface="Arial" panose="020B0604020202020204" pitchFamily="34" charset="0"/>
               </a:rPr>
               <a:t>All R related assignments will show up as an RStudio Assignment in this course’s workspace.</a:t>
             </a:r>
